--- a/docs/images/workflow.pptx
+++ b/docs/images/workflow.pptx
@@ -10,7 +10,7 @@
   <p:sldIdLst>
     <p:sldId id="258" r:id="rId2"/>
   </p:sldIdLst>
-  <p:sldSz cx="9144000" cy="5715000" type="screen16x10"/>
+  <p:sldSz cx="9144000" cy="4500563"/>
   <p:notesSz cx="6858000" cy="9144000"/>
   <p:defaultTextStyle>
     <a:defPPr>
@@ -110,7 +110,7 @@
   <p:extLst>
     <p:ext uri="{EFAFB233-063F-42B5-8137-9DF3F51BA10A}">
       <p15:sldGuideLst xmlns:p15="http://schemas.microsoft.com/office/powerpoint/2012/main">
-        <p15:guide id="1" orient="horz" pos="1801" userDrawn="1">
+        <p15:guide id="1" orient="horz" pos="1418" userDrawn="1">
           <p15:clr>
             <a:srgbClr val="A4A3A4"/>
           </p15:clr>
@@ -209,7 +209,7 @@
             <a:fld id="{DC50A2AC-D691-437C-A69B-81ECFE08AD4B}" type="datetimeFigureOut">
               <a:rPr lang="en-SG" smtClean="0"/>
               <a:pPr/>
-              <a:t>10/2/2016</a:t>
+              <a:t>18/3/2018</a:t>
             </a:fld>
             <a:endParaRPr lang="en-SG"/>
           </a:p>
@@ -227,8 +227,8 @@
         </p:nvSpPr>
         <p:spPr>
           <a:xfrm>
-            <a:off x="685800" y="685800"/>
-            <a:ext cx="5486400" cy="3429000"/>
+            <a:off x="-53975" y="685800"/>
+            <a:ext cx="6965950" cy="3429000"/>
           </a:xfrm>
           <a:prstGeom prst="rect">
             <a:avLst/>
@@ -507,8 +507,8 @@
         </p:nvSpPr>
         <p:spPr>
           <a:xfrm>
-            <a:off x="685800" y="685800"/>
-            <a:ext cx="5486400" cy="3429000"/>
+            <a:off x="-53975" y="685800"/>
+            <a:ext cx="6965950" cy="3429000"/>
           </a:xfrm>
         </p:spPr>
       </p:sp>
@@ -597,8 +597,8 @@
         </p:nvSpPr>
         <p:spPr>
           <a:xfrm>
-            <a:off x="685802" y="1775355"/>
-            <a:ext cx="7772400" cy="1225022"/>
+            <a:off x="685802" y="1398093"/>
+            <a:ext cx="7772400" cy="964705"/>
           </a:xfrm>
         </p:spPr>
         <p:txBody>
@@ -625,8 +625,8 @@
         </p:nvSpPr>
         <p:spPr>
           <a:xfrm>
-            <a:off x="1371601" y="3238500"/>
-            <a:ext cx="6400800" cy="1460500"/>
+            <a:off x="1371601" y="2550320"/>
+            <a:ext cx="6400800" cy="1150144"/>
           </a:xfrm>
         </p:spPr>
         <p:txBody>
@@ -750,7 +750,7 @@
             <a:fld id="{1D8BD707-D9CF-40AE-B4C6-C98DA3205C09}" type="datetimeFigureOut">
               <a:rPr lang="en-US" smtClean="0"/>
               <a:pPr/>
-              <a:t>2/10/2016</a:t>
+              <a:t>3/18/2018</a:t>
             </a:fld>
             <a:endParaRPr lang="en-US"/>
           </a:p>
@@ -917,7 +917,7 @@
             <a:fld id="{1D8BD707-D9CF-40AE-B4C6-C98DA3205C09}" type="datetimeFigureOut">
               <a:rPr lang="en-US" smtClean="0"/>
               <a:pPr/>
-              <a:t>2/10/2016</a:t>
+              <a:t>3/18/2018</a:t>
             </a:fld>
             <a:endParaRPr lang="en-US"/>
           </a:p>
@@ -1003,8 +1003,8 @@
         </p:nvSpPr>
         <p:spPr>
           <a:xfrm>
-            <a:off x="6629401" y="228868"/>
-            <a:ext cx="2057400" cy="4876271"/>
+            <a:off x="6629401" y="180234"/>
+            <a:ext cx="2057400" cy="3840064"/>
           </a:xfrm>
         </p:spPr>
         <p:txBody>
@@ -1031,8 +1031,8 @@
         </p:nvSpPr>
         <p:spPr>
           <a:xfrm>
-            <a:off x="457201" y="228868"/>
-            <a:ext cx="6019800" cy="4876271"/>
+            <a:off x="457201" y="180234"/>
+            <a:ext cx="6019800" cy="3840064"/>
           </a:xfrm>
         </p:spPr>
         <p:txBody>
@@ -1094,7 +1094,7 @@
             <a:fld id="{1D8BD707-D9CF-40AE-B4C6-C98DA3205C09}" type="datetimeFigureOut">
               <a:rPr lang="en-US" smtClean="0"/>
               <a:pPr/>
-              <a:t>2/10/2016</a:t>
+              <a:t>3/18/2018</a:t>
             </a:fld>
             <a:endParaRPr lang="en-US"/>
           </a:p>
@@ -1261,7 +1261,7 @@
             <a:fld id="{1D8BD707-D9CF-40AE-B4C6-C98DA3205C09}" type="datetimeFigureOut">
               <a:rPr lang="en-US" smtClean="0"/>
               <a:pPr/>
-              <a:t>2/10/2016</a:t>
+              <a:t>3/18/2018</a:t>
             </a:fld>
             <a:endParaRPr lang="en-US"/>
           </a:p>
@@ -1347,8 +1347,8 @@
         </p:nvSpPr>
         <p:spPr>
           <a:xfrm>
-            <a:off x="722314" y="3672418"/>
-            <a:ext cx="7772400" cy="1135062"/>
+            <a:off x="722314" y="2892030"/>
+            <a:ext cx="7772400" cy="893861"/>
           </a:xfrm>
         </p:spPr>
         <p:txBody>
@@ -1379,8 +1379,8 @@
         </p:nvSpPr>
         <p:spPr>
           <a:xfrm>
-            <a:off x="722314" y="2422262"/>
-            <a:ext cx="7772400" cy="1250158"/>
+            <a:off x="722314" y="1907531"/>
+            <a:ext cx="7772400" cy="984500"/>
           </a:xfrm>
         </p:spPr>
         <p:txBody>
@@ -1504,7 +1504,7 @@
             <a:fld id="{1D8BD707-D9CF-40AE-B4C6-C98DA3205C09}" type="datetimeFigureOut">
               <a:rPr lang="en-US" smtClean="0"/>
               <a:pPr/>
-              <a:t>2/10/2016</a:t>
+              <a:t>3/18/2018</a:t>
             </a:fld>
             <a:endParaRPr lang="en-US"/>
           </a:p>
@@ -1613,8 +1613,8 @@
         </p:nvSpPr>
         <p:spPr>
           <a:xfrm>
-            <a:off x="457202" y="1333501"/>
-            <a:ext cx="4038600" cy="3771637"/>
+            <a:off x="457202" y="1050134"/>
+            <a:ext cx="4038600" cy="2970165"/>
           </a:xfrm>
         </p:spPr>
         <p:txBody>
@@ -1698,8 +1698,8 @@
         </p:nvSpPr>
         <p:spPr>
           <a:xfrm>
-            <a:off x="4648201" y="1333501"/>
-            <a:ext cx="4038600" cy="3771637"/>
+            <a:off x="4648201" y="1050134"/>
+            <a:ext cx="4038600" cy="2970165"/>
           </a:xfrm>
         </p:spPr>
         <p:txBody>
@@ -1789,7 +1789,7 @@
             <a:fld id="{1D8BD707-D9CF-40AE-B4C6-C98DA3205C09}" type="datetimeFigureOut">
               <a:rPr lang="en-US" smtClean="0"/>
               <a:pPr/>
-              <a:t>2/10/2016</a:t>
+              <a:t>3/18/2018</a:t>
             </a:fld>
             <a:endParaRPr lang="en-US"/>
           </a:p>
@@ -1902,8 +1902,8 @@
         </p:nvSpPr>
         <p:spPr>
           <a:xfrm>
-            <a:off x="457205" y="1279262"/>
-            <a:ext cx="4040189" cy="533136"/>
+            <a:off x="457209" y="1007419"/>
+            <a:ext cx="4040189" cy="419845"/>
           </a:xfrm>
         </p:spPr>
         <p:txBody>
@@ -1967,8 +1967,8 @@
         </p:nvSpPr>
         <p:spPr>
           <a:xfrm>
-            <a:off x="457205" y="1812398"/>
-            <a:ext cx="4040189" cy="3292741"/>
+            <a:off x="457209" y="1427264"/>
+            <a:ext cx="4040189" cy="2593034"/>
           </a:xfrm>
         </p:spPr>
         <p:txBody>
@@ -2052,8 +2052,8 @@
         </p:nvSpPr>
         <p:spPr>
           <a:xfrm>
-            <a:off x="4645028" y="1279262"/>
-            <a:ext cx="4041774" cy="533136"/>
+            <a:off x="4645028" y="1007419"/>
+            <a:ext cx="4041774" cy="419845"/>
           </a:xfrm>
         </p:spPr>
         <p:txBody>
@@ -2117,8 +2117,8 @@
         </p:nvSpPr>
         <p:spPr>
           <a:xfrm>
-            <a:off x="4645028" y="1812398"/>
-            <a:ext cx="4041774" cy="3292741"/>
+            <a:off x="4645028" y="1427264"/>
+            <a:ext cx="4041774" cy="2593034"/>
           </a:xfrm>
         </p:spPr>
         <p:txBody>
@@ -2208,7 +2208,7 @@
             <a:fld id="{1D8BD707-D9CF-40AE-B4C6-C98DA3205C09}" type="datetimeFigureOut">
               <a:rPr lang="en-US" smtClean="0"/>
               <a:pPr/>
-              <a:t>2/10/2016</a:t>
+              <a:t>3/18/2018</a:t>
             </a:fld>
             <a:endParaRPr lang="en-US"/>
           </a:p>
@@ -2323,7 +2323,7 @@
             <a:fld id="{1D8BD707-D9CF-40AE-B4C6-C98DA3205C09}" type="datetimeFigureOut">
               <a:rPr lang="en-US" smtClean="0"/>
               <a:pPr/>
-              <a:t>2/10/2016</a:t>
+              <a:t>3/18/2018</a:t>
             </a:fld>
             <a:endParaRPr lang="en-US"/>
           </a:p>
@@ -2415,7 +2415,7 @@
             <a:fld id="{1D8BD707-D9CF-40AE-B4C6-C98DA3205C09}" type="datetimeFigureOut">
               <a:rPr lang="en-US" smtClean="0"/>
               <a:pPr/>
-              <a:t>2/10/2016</a:t>
+              <a:t>3/18/2018</a:t>
             </a:fld>
             <a:endParaRPr lang="en-US"/>
           </a:p>
@@ -2501,8 +2501,8 @@
         </p:nvSpPr>
         <p:spPr>
           <a:xfrm>
-            <a:off x="457201" y="227541"/>
-            <a:ext cx="3008314" cy="968375"/>
+            <a:off x="457201" y="179188"/>
+            <a:ext cx="3008314" cy="762596"/>
           </a:xfrm>
         </p:spPr>
         <p:txBody>
@@ -2533,8 +2533,8 @@
         </p:nvSpPr>
         <p:spPr>
           <a:xfrm>
-            <a:off x="3575054" y="227543"/>
-            <a:ext cx="5111751" cy="4877594"/>
+            <a:off x="3575058" y="179191"/>
+            <a:ext cx="5111751" cy="3841106"/>
           </a:xfrm>
         </p:spPr>
         <p:txBody>
@@ -2618,8 +2618,8 @@
         </p:nvSpPr>
         <p:spPr>
           <a:xfrm>
-            <a:off x="457201" y="1195916"/>
-            <a:ext cx="3008314" cy="3909219"/>
+            <a:off x="457201" y="941785"/>
+            <a:ext cx="3008314" cy="3078511"/>
           </a:xfrm>
         </p:spPr>
         <p:txBody>
@@ -2689,7 +2689,7 @@
             <a:fld id="{1D8BD707-D9CF-40AE-B4C6-C98DA3205C09}" type="datetimeFigureOut">
               <a:rPr lang="en-US" smtClean="0"/>
               <a:pPr/>
-              <a:t>2/10/2016</a:t>
+              <a:t>3/18/2018</a:t>
             </a:fld>
             <a:endParaRPr lang="en-US"/>
           </a:p>
@@ -2775,8 +2775,8 @@
         </p:nvSpPr>
         <p:spPr>
           <a:xfrm>
-            <a:off x="1792288" y="4000500"/>
-            <a:ext cx="5486400" cy="472282"/>
+            <a:off x="1792288" y="3150395"/>
+            <a:ext cx="5486400" cy="371922"/>
           </a:xfrm>
         </p:spPr>
         <p:txBody>
@@ -2807,8 +2807,8 @@
         </p:nvSpPr>
         <p:spPr>
           <a:xfrm>
-            <a:off x="1792288" y="510650"/>
-            <a:ext cx="5486400" cy="3429000"/>
+            <a:off x="1792288" y="402137"/>
+            <a:ext cx="5486400" cy="2700338"/>
           </a:xfrm>
         </p:spPr>
         <p:txBody>
@@ -2868,8 +2868,8 @@
         </p:nvSpPr>
         <p:spPr>
           <a:xfrm>
-            <a:off x="1792288" y="4472787"/>
-            <a:ext cx="5486400" cy="670716"/>
+            <a:off x="1792288" y="3522321"/>
+            <a:ext cx="5486400" cy="528190"/>
           </a:xfrm>
         </p:spPr>
         <p:txBody>
@@ -2939,7 +2939,7 @@
             <a:fld id="{1D8BD707-D9CF-40AE-B4C6-C98DA3205C09}" type="datetimeFigureOut">
               <a:rPr lang="en-US" smtClean="0"/>
               <a:pPr/>
-              <a:t>2/10/2016</a:t>
+              <a:t>3/18/2018</a:t>
             </a:fld>
             <a:endParaRPr lang="en-US"/>
           </a:p>
@@ -3030,8 +3030,8 @@
         </p:nvSpPr>
         <p:spPr>
           <a:xfrm>
-            <a:off x="457202" y="228866"/>
-            <a:ext cx="8229600" cy="952500"/>
+            <a:off x="457202" y="180233"/>
+            <a:ext cx="8229600" cy="750093"/>
           </a:xfrm>
           <a:prstGeom prst="rect">
             <a:avLst/>
@@ -3063,8 +3063,8 @@
         </p:nvSpPr>
         <p:spPr>
           <a:xfrm>
-            <a:off x="457202" y="1333501"/>
-            <a:ext cx="8229600" cy="3771637"/>
+            <a:off x="457202" y="1050134"/>
+            <a:ext cx="8229600" cy="2970165"/>
           </a:xfrm>
           <a:prstGeom prst="rect">
             <a:avLst/>
@@ -3125,8 +3125,8 @@
         </p:nvSpPr>
         <p:spPr>
           <a:xfrm>
-            <a:off x="457201" y="5296962"/>
-            <a:ext cx="2133600" cy="304270"/>
+            <a:off x="457201" y="4171358"/>
+            <a:ext cx="2133600" cy="239613"/>
           </a:xfrm>
           <a:prstGeom prst="rect">
             <a:avLst/>
@@ -3149,7 +3149,7 @@
             <a:fld id="{1D8BD707-D9CF-40AE-B4C6-C98DA3205C09}" type="datetimeFigureOut">
               <a:rPr lang="en-US" smtClean="0"/>
               <a:pPr/>
-              <a:t>2/10/2016</a:t>
+              <a:t>3/18/2018</a:t>
             </a:fld>
             <a:endParaRPr lang="en-US"/>
           </a:p>
@@ -3167,8 +3167,8 @@
         </p:nvSpPr>
         <p:spPr>
           <a:xfrm>
-            <a:off x="3124202" y="5296962"/>
-            <a:ext cx="2895600" cy="304270"/>
+            <a:off x="3124202" y="4171358"/>
+            <a:ext cx="2895600" cy="239613"/>
           </a:xfrm>
           <a:prstGeom prst="rect">
             <a:avLst/>
@@ -3204,8 +3204,8 @@
         </p:nvSpPr>
         <p:spPr>
           <a:xfrm>
-            <a:off x="6553201" y="5296962"/>
-            <a:ext cx="2133600" cy="304270"/>
+            <a:off x="6553201" y="4171358"/>
+            <a:ext cx="2133600" cy="239613"/>
           </a:xfrm>
           <a:prstGeom prst="rect">
             <a:avLst/>
@@ -3528,7 +3528,7 @@
         </p:nvSpPr>
         <p:spPr>
           <a:xfrm>
-            <a:off x="3294024" y="2049784"/>
+            <a:off x="3294024" y="1564486"/>
             <a:ext cx="3874844" cy="1051917"/>
           </a:xfrm>
           <a:prstGeom prst="roundRect">
@@ -3578,7 +3578,7 @@
         </p:nvSpPr>
         <p:spPr bwMode="auto">
           <a:xfrm>
-            <a:off x="457200" y="2204312"/>
+            <a:off x="457204" y="1719010"/>
             <a:ext cx="1272365" cy="988472"/>
           </a:xfrm>
           <a:custGeom>
@@ -3814,7 +3814,7 @@
         </p:nvSpPr>
         <p:spPr>
           <a:xfrm>
-            <a:off x="7941268" y="2730051"/>
+            <a:off x="7848600" y="2244749"/>
             <a:ext cx="1186265" cy="462732"/>
           </a:xfrm>
           <a:prstGeom prst="cloud">
@@ -3853,14 +3853,14 @@
           <a:p>
             <a:pPr algn="ctr"/>
             <a:r>
-              <a:rPr lang="en-US" sz="1400" b="1" dirty="0" err="1">
+              <a:rPr lang="en-US" sz="1400" b="1" dirty="0" err="1" smtClean="0">
                 <a:solidFill>
                   <a:schemeClr val="bg1">
                     <a:lumMod val="65000"/>
                   </a:schemeClr>
                 </a:solidFill>
               </a:rPr>
-              <a:t>Appspot</a:t>
+              <a:t>AppSpot</a:t>
             </a:r>
             <a:endParaRPr lang="en-US" sz="1400" b="1" dirty="0">
               <a:solidFill>
@@ -3880,7 +3880,7 @@
         </p:nvSpPr>
         <p:spPr>
           <a:xfrm>
-            <a:off x="3370218" y="2811783"/>
+            <a:off x="3370218" y="2326481"/>
             <a:ext cx="3716382" cy="462732"/>
           </a:xfrm>
           <a:prstGeom prst="cloud">
@@ -3946,7 +3946,7 @@
         </p:nvSpPr>
         <p:spPr>
           <a:xfrm>
-            <a:off x="5732419" y="2205160"/>
+            <a:off x="5732423" y="1719858"/>
             <a:ext cx="1107933" cy="762000"/>
           </a:xfrm>
           <a:prstGeom prst="can">
@@ -3987,7 +3987,7 @@
             <a:pPr algn="ctr"/>
             <a:r>
               <a:rPr lang="en-US" sz="1600" b="1" dirty="0"/>
-              <a:t>Committer</a:t>
+              <a:t>Main</a:t>
             </a:r>
           </a:p>
           <a:p>
@@ -4034,7 +4034,7 @@
         </p:blipFill>
         <p:spPr bwMode="auto">
           <a:xfrm>
-            <a:off x="8058150" y="1976560"/>
+            <a:off x="7965478" y="1491258"/>
             <a:ext cx="1085850" cy="1085850"/>
           </a:xfrm>
           <a:prstGeom prst="rect">
@@ -4051,7 +4051,7 @@
         </p:nvGrpSpPr>
         <p:grpSpPr>
           <a:xfrm>
-            <a:off x="304800" y="2052760"/>
+            <a:off x="266704" y="1613344"/>
             <a:ext cx="304800" cy="533400"/>
             <a:chOff x="2339181" y="3718719"/>
             <a:chExt cx="304800" cy="533400"/>
@@ -4164,7 +4164,7 @@
         </p:nvGrpSpPr>
         <p:grpSpPr>
           <a:xfrm>
-            <a:off x="5046618" y="4282492"/>
+            <a:off x="5105400" y="3375019"/>
             <a:ext cx="304800" cy="533400"/>
             <a:chOff x="2339181" y="3718719"/>
             <a:chExt cx="304800" cy="533400"/>
@@ -4259,7 +4259,7 @@
         </p:nvSpPr>
         <p:spPr>
           <a:xfrm>
-            <a:off x="4741818" y="4879181"/>
+            <a:off x="4800600" y="4000405"/>
             <a:ext cx="914400" cy="340519"/>
           </a:xfrm>
           <a:prstGeom prst="roundRect">
@@ -4297,7 +4297,7 @@
         </p:nvGrpSpPr>
         <p:grpSpPr>
           <a:xfrm>
-            <a:off x="7578558" y="525783"/>
+            <a:off x="7586469" y="96136"/>
             <a:ext cx="304800" cy="533400"/>
             <a:chOff x="2339181" y="3718719"/>
             <a:chExt cx="304800" cy="533400"/>
@@ -4392,7 +4392,7 @@
         </p:nvSpPr>
         <p:spPr>
           <a:xfrm>
-            <a:off x="7472214" y="1132407"/>
+            <a:off x="7472169" y="685251"/>
             <a:ext cx="533400" cy="340519"/>
           </a:xfrm>
           <a:prstGeom prst="roundRect">
@@ -4430,7 +4430,7 @@
         </p:nvSpPr>
         <p:spPr>
           <a:xfrm>
-            <a:off x="76200" y="2702842"/>
+            <a:off x="152400" y="2217544"/>
             <a:ext cx="533400" cy="340519"/>
           </a:xfrm>
           <a:prstGeom prst="roundRect">
@@ -4465,7 +4465,7 @@
         </p:nvSpPr>
         <p:spPr>
           <a:xfrm>
-            <a:off x="1524000" y="1363984"/>
+            <a:off x="1524004" y="878686"/>
             <a:ext cx="1533097" cy="307777"/>
           </a:xfrm>
           <a:prstGeom prst="rect">
@@ -4498,7 +4498,7 @@
         </p:nvSpPr>
         <p:spPr>
           <a:xfrm>
-            <a:off x="1447800" y="2049783"/>
+            <a:off x="1447800" y="1564481"/>
             <a:ext cx="381000" cy="304800"/>
           </a:xfrm>
           <a:prstGeom prst="arc">
@@ -4546,7 +4546,7 @@
         </p:nvSpPr>
         <p:spPr>
           <a:xfrm>
-            <a:off x="1905000" y="1973584"/>
+            <a:off x="1905000" y="1488286"/>
             <a:ext cx="990600" cy="646331"/>
           </a:xfrm>
           <a:prstGeom prst="rect">
@@ -4604,7 +4604,7 @@
         </p:nvSpPr>
         <p:spPr>
           <a:xfrm rot="814929">
-            <a:off x="1620154" y="3855603"/>
+            <a:off x="1620154" y="3370305"/>
             <a:ext cx="1182604" cy="430887"/>
           </a:xfrm>
           <a:prstGeom prst="rect">
@@ -4651,8 +4651,8 @@
           <p:nvPr/>
         </p:nvSpPr>
         <p:spPr>
-          <a:xfrm rot="4019994">
-            <a:off x="3408391" y="3797364"/>
+          <a:xfrm rot="3572236">
+            <a:off x="3868424" y="3338507"/>
             <a:ext cx="843775" cy="215444"/>
           </a:xfrm>
           <a:prstGeom prst="rect">
@@ -4687,7 +4687,7 @@
         </p:nvSpPr>
         <p:spPr>
           <a:xfrm>
-            <a:off x="1524000" y="1595560"/>
+            <a:off x="1524000" y="1110258"/>
             <a:ext cx="4419600" cy="1219200"/>
           </a:xfrm>
           <a:prstGeom prst="arc">
@@ -4735,7 +4735,7 @@
         </p:nvSpPr>
         <p:spPr>
           <a:xfrm flipV="1">
-            <a:off x="1455016" y="2619915"/>
+            <a:off x="1455020" y="2134617"/>
             <a:ext cx="1902663" cy="1157557"/>
           </a:xfrm>
           <a:prstGeom prst="arc">
@@ -4782,9 +4782,9 @@
           <p:nvPr/>
         </p:nvSpPr>
         <p:spPr>
-          <a:xfrm rot="3662859" flipV="1">
-            <a:off x="3957686" y="3484137"/>
-            <a:ext cx="1356586" cy="272423"/>
+          <a:xfrm flipV="1">
+            <a:off x="4389040" y="2313688"/>
+            <a:ext cx="1832099" cy="756939"/>
           </a:xfrm>
           <a:prstGeom prst="arc">
             <a:avLst>
@@ -4827,14 +4827,14 @@
       </p:sp>
       <p:sp>
         <p:nvSpPr>
-          <p:cNvPr id="250" name="TextBox 249"/>
+          <p:cNvPr id="252" name="TextBox 251"/>
           <p:cNvSpPr txBox="1"/>
           <p:nvPr/>
         </p:nvSpPr>
         <p:spPr>
-          <a:xfrm rot="3374372">
-            <a:off x="3801112" y="3812601"/>
-            <a:ext cx="1417411" cy="215444"/>
+          <a:xfrm>
+            <a:off x="4981587" y="3136201"/>
+            <a:ext cx="739662" cy="215444"/>
           </a:xfrm>
           <a:prstGeom prst="rect">
             <a:avLst/>
@@ -4855,53 +4855,31 @@
                   </a:schemeClr>
                 </a:solidFill>
               </a:rPr>
-              <a:t>6</a:t>
-            </a:r>
-            <a:r>
-              <a:rPr lang="en-US" sz="1400" b="1" dirty="0" smtClean="0">
-                <a:solidFill>
-                  <a:schemeClr val="accent6">
-                    <a:lumMod val="75000"/>
-                  </a:schemeClr>
-                </a:solidFill>
-              </a:rPr>
-              <a:t>. pull </a:t>
-            </a:r>
-            <a:r>
-              <a:rPr lang="en-US" sz="1400" b="1" dirty="0">
-                <a:solidFill>
-                  <a:schemeClr val="accent6">
-                    <a:lumMod val="75000"/>
-                  </a:schemeClr>
-                </a:solidFill>
-              </a:rPr>
-              <a:t>branch</a:t>
-            </a:r>
-          </a:p>
-        </p:txBody>
-      </p:sp>
-      <p:sp>
-        <p:nvSpPr>
-          <p:cNvPr id="251" name="Arc 250"/>
+              <a:t>6. merge</a:t>
+            </a:r>
+          </a:p>
+        </p:txBody>
+      </p:sp>
+      <p:sp>
+        <p:nvSpPr>
+          <p:cNvPr id="255" name="Arc 254"/>
           <p:cNvSpPr/>
           <p:nvPr/>
         </p:nvSpPr>
         <p:spPr>
-          <a:xfrm rot="16709798">
-            <a:off x="5003188" y="3995129"/>
-            <a:ext cx="381000" cy="304800"/>
+          <a:xfrm rot="18884024">
+            <a:off x="6213856" y="1029073"/>
+            <a:ext cx="1440312" cy="381000"/>
           </a:xfrm>
           <a:prstGeom prst="arc">
             <a:avLst>
-              <a:gd name="adj1" fmla="val 16200000"/>
-              <a:gd name="adj2" fmla="val 5027432"/>
+              <a:gd name="adj1" fmla="val 11540120"/>
+              <a:gd name="adj2" fmla="val 21468826"/>
             </a:avLst>
           </a:prstGeom>
           <a:ln w="28575">
             <a:solidFill>
-              <a:schemeClr val="accent6">
-                <a:lumMod val="75000"/>
-              </a:schemeClr>
+              <a:srgbClr val="0070C0"/>
             </a:solidFill>
             <a:headEnd type="none"/>
             <a:tailEnd type="triangle"/>
@@ -4926,24 +4904,20 @@
           <a:lstStyle/>
           <a:p>
             <a:pPr algn="ctr"/>
-            <a:endParaRPr lang="en-US" b="1">
-              <a:solidFill>
-                <a:srgbClr val="7030A0"/>
-              </a:solidFill>
-            </a:endParaRPr>
-          </a:p>
-        </p:txBody>
-      </p:sp>
-      <p:sp>
-        <p:nvSpPr>
-          <p:cNvPr id="252" name="TextBox 251"/>
+            <a:endParaRPr lang="en-US" b="1"/>
+          </a:p>
+        </p:txBody>
+      </p:sp>
+      <p:sp>
+        <p:nvSpPr>
+          <p:cNvPr id="256" name="TextBox 255"/>
           <p:cNvSpPr txBox="1"/>
           <p:nvPr/>
         </p:nvSpPr>
         <p:spPr>
-          <a:xfrm>
-            <a:off x="4965010" y="3669439"/>
-            <a:ext cx="739662" cy="215444"/>
+          <a:xfrm rot="19098151" flipH="1">
+            <a:off x="6424764" y="848744"/>
+            <a:ext cx="685800" cy="215444"/>
           </a:xfrm>
           <a:prstGeom prst="rect">
             <a:avLst/>
@@ -4957,50 +4931,36 @@
           <a:lstStyle/>
           <a:p>
             <a:r>
-              <a:rPr lang="en-US" sz="1400" b="1" dirty="0" smtClean="0">
+              <a:rPr lang="en-US" sz="1400" b="1" dirty="0">
                 <a:solidFill>
-                  <a:schemeClr val="accent6">
-                    <a:lumMod val="75000"/>
-                  </a:schemeClr>
+                  <a:srgbClr val="0070C0"/>
                 </a:solidFill>
               </a:rPr>
-              <a:t>7. </a:t>
-            </a:r>
-            <a:r>
-              <a:rPr lang="en-US" sz="1400" b="1" dirty="0">
-                <a:solidFill>
-                  <a:schemeClr val="accent6">
-                    <a:lumMod val="75000"/>
-                  </a:schemeClr>
-                </a:solidFill>
-              </a:rPr>
-              <a:t>merge</a:t>
-            </a:r>
-          </a:p>
-        </p:txBody>
-      </p:sp>
-      <p:sp>
-        <p:nvSpPr>
-          <p:cNvPr id="253" name="Arc 252"/>
+              <a:t>7. pull</a:t>
+            </a:r>
+          </a:p>
+        </p:txBody>
+      </p:sp>
+      <p:sp>
+        <p:nvSpPr>
+          <p:cNvPr id="257" name="Arc 256"/>
           <p:cNvSpPr/>
           <p:nvPr/>
         </p:nvSpPr>
         <p:spPr>
-          <a:xfrm rot="19019392" flipV="1">
-            <a:off x="5083089" y="3485285"/>
-            <a:ext cx="1458516" cy="504373"/>
+          <a:xfrm rot="15843024" flipH="1">
+            <a:off x="7572636" y="920220"/>
+            <a:ext cx="381000" cy="304800"/>
           </a:xfrm>
           <a:prstGeom prst="arc">
             <a:avLst>
-              <a:gd name="adj1" fmla="val 11540120"/>
-              <a:gd name="adj2" fmla="val 21323423"/>
+              <a:gd name="adj1" fmla="val 16200000"/>
+              <a:gd name="adj2" fmla="val 5027432"/>
             </a:avLst>
           </a:prstGeom>
           <a:ln w="28575">
             <a:solidFill>
-              <a:schemeClr val="accent6">
-                <a:lumMod val="75000"/>
-              </a:schemeClr>
+              <a:srgbClr val="0070C0"/>
             </a:solidFill>
             <a:headEnd type="none"/>
             <a:tailEnd type="triangle"/>
@@ -5031,14 +4991,14 @@
       </p:sp>
       <p:sp>
         <p:nvSpPr>
-          <p:cNvPr id="254" name="TextBox 253"/>
+          <p:cNvPr id="258" name="TextBox 257"/>
           <p:cNvSpPr txBox="1"/>
           <p:nvPr/>
         </p:nvSpPr>
         <p:spPr>
-          <a:xfrm rot="18996887">
-            <a:off x="5750480" y="3881920"/>
-            <a:ext cx="685800" cy="215444"/>
+          <a:xfrm>
+            <a:off x="7391404" y="1318554"/>
+            <a:ext cx="958333" cy="215444"/>
           </a:xfrm>
           <a:prstGeom prst="rect">
             <a:avLst/>
@@ -5054,51 +5014,29 @@
             <a:r>
               <a:rPr lang="en-US" sz="1400" b="1" dirty="0">
                 <a:solidFill>
-                  <a:schemeClr val="accent6">
-                    <a:lumMod val="75000"/>
-                  </a:schemeClr>
+                  <a:srgbClr val="0070C0"/>
                 </a:solidFill>
               </a:rPr>
-              <a:t>8</a:t>
-            </a:r>
-            <a:r>
-              <a:rPr lang="en-US" sz="1400" b="1" dirty="0" smtClean="0">
-                <a:solidFill>
-                  <a:schemeClr val="accent6">
-                    <a:lumMod val="75000"/>
-                  </a:schemeClr>
-                </a:solidFill>
-              </a:rPr>
-              <a:t>. </a:t>
-            </a:r>
-            <a:r>
-              <a:rPr lang="en-US" sz="1400" b="1" dirty="0">
-                <a:solidFill>
-                  <a:schemeClr val="accent6">
-                    <a:lumMod val="75000"/>
-                  </a:schemeClr>
-                </a:solidFill>
-              </a:rPr>
-              <a:t>push</a:t>
-            </a:r>
-          </a:p>
-        </p:txBody>
-      </p:sp>
-      <p:sp>
-        <p:nvSpPr>
-          <p:cNvPr id="255" name="Arc 254"/>
+              <a:t>8. live test</a:t>
+            </a:r>
+          </a:p>
+        </p:txBody>
+      </p:sp>
+      <p:sp>
+        <p:nvSpPr>
+          <p:cNvPr id="259" name="Arc 258"/>
           <p:cNvSpPr/>
           <p:nvPr/>
         </p:nvSpPr>
         <p:spPr>
-          <a:xfrm rot="18884024">
-            <a:off x="6213856" y="1514375"/>
-            <a:ext cx="1440312" cy="381000"/>
+          <a:xfrm rot="2848702">
+            <a:off x="7609921" y="894986"/>
+            <a:ext cx="1259826" cy="622603"/>
           </a:xfrm>
           <a:prstGeom prst="arc">
             <a:avLst>
-              <a:gd name="adj1" fmla="val 11540120"/>
-              <a:gd name="adj2" fmla="val 21323423"/>
+              <a:gd name="adj1" fmla="val 12180853"/>
+              <a:gd name="adj2" fmla="val 20978646"/>
             </a:avLst>
           </a:prstGeom>
           <a:ln w="28575">
@@ -5134,14 +5072,14 @@
       </p:sp>
       <p:sp>
         <p:nvSpPr>
-          <p:cNvPr id="256" name="TextBox 255"/>
+          <p:cNvPr id="260" name="TextBox 259"/>
           <p:cNvSpPr txBox="1"/>
           <p:nvPr/>
         </p:nvSpPr>
         <p:spPr>
-          <a:xfrm rot="19098151" flipH="1">
-            <a:off x="6424764" y="1334046"/>
-            <a:ext cx="685800" cy="215444"/>
+          <a:xfrm rot="2697550">
+            <a:off x="8250684" y="814083"/>
+            <a:ext cx="841701" cy="215444"/>
           </a:xfrm>
           <a:prstGeom prst="rect">
             <a:avLst/>
@@ -5160,201 +5098,7 @@
                   <a:srgbClr val="0070C0"/>
                 </a:solidFill>
               </a:rPr>
-              <a:t>9</a:t>
-            </a:r>
-            <a:r>
-              <a:rPr lang="en-US" sz="1400" b="1" dirty="0" smtClean="0">
-                <a:solidFill>
-                  <a:srgbClr val="0070C0"/>
-                </a:solidFill>
-              </a:rPr>
-              <a:t>. </a:t>
-            </a:r>
-            <a:r>
-              <a:rPr lang="en-US" sz="1400" b="1" dirty="0">
-                <a:solidFill>
-                  <a:srgbClr val="0070C0"/>
-                </a:solidFill>
-              </a:rPr>
-              <a:t>pull</a:t>
-            </a:r>
-          </a:p>
-        </p:txBody>
-      </p:sp>
-      <p:sp>
-        <p:nvSpPr>
-          <p:cNvPr id="257" name="Arc 256"/>
-          <p:cNvSpPr/>
-          <p:nvPr/>
-        </p:nvSpPr>
-        <p:spPr>
-          <a:xfrm rot="15843024" flipH="1">
-            <a:off x="7572636" y="1405522"/>
-            <a:ext cx="381000" cy="304800"/>
-          </a:xfrm>
-          <a:prstGeom prst="arc">
-            <a:avLst>
-              <a:gd name="adj1" fmla="val 16200000"/>
-              <a:gd name="adj2" fmla="val 5027432"/>
-            </a:avLst>
-          </a:prstGeom>
-          <a:ln w="28575">
-            <a:solidFill>
-              <a:srgbClr val="0070C0"/>
-            </a:solidFill>
-            <a:headEnd type="none"/>
-            <a:tailEnd type="triangle"/>
-          </a:ln>
-        </p:spPr>
-        <p:style>
-          <a:lnRef idx="1">
-            <a:schemeClr val="accent1"/>
-          </a:lnRef>
-          <a:fillRef idx="0">
-            <a:schemeClr val="accent1"/>
-          </a:fillRef>
-          <a:effectRef idx="0">
-            <a:schemeClr val="accent1"/>
-          </a:effectRef>
-          <a:fontRef idx="minor">
-            <a:schemeClr val="tx1"/>
-          </a:fontRef>
-        </p:style>
-        <p:txBody>
-          <a:bodyPr rtlCol="0" anchor="ctr"/>
-          <a:lstStyle/>
-          <a:p>
-            <a:pPr algn="ctr"/>
-            <a:endParaRPr lang="en-US" b="1"/>
-          </a:p>
-        </p:txBody>
-      </p:sp>
-      <p:sp>
-        <p:nvSpPr>
-          <p:cNvPr id="258" name="TextBox 257"/>
-          <p:cNvSpPr txBox="1"/>
-          <p:nvPr/>
-        </p:nvSpPr>
-        <p:spPr>
-          <a:xfrm>
-            <a:off x="7332618" y="1771658"/>
-            <a:ext cx="958333" cy="215444"/>
-          </a:xfrm>
-          <a:prstGeom prst="rect">
-            <a:avLst/>
-          </a:prstGeom>
-          <a:noFill/>
-        </p:spPr>
-        <p:txBody>
-          <a:bodyPr wrap="square" lIns="0" tIns="0" rIns="0" bIns="0" rtlCol="0">
-            <a:spAutoFit/>
-          </a:bodyPr>
-          <a:lstStyle/>
-          <a:p>
-            <a:r>
-              <a:rPr lang="en-US" sz="1400" b="1" dirty="0" smtClean="0">
-                <a:solidFill>
-                  <a:srgbClr val="0070C0"/>
-                </a:solidFill>
-              </a:rPr>
-              <a:t>10. </a:t>
-            </a:r>
-            <a:r>
-              <a:rPr lang="en-US" sz="1400" b="1" dirty="0">
-                <a:solidFill>
-                  <a:srgbClr val="0070C0"/>
-                </a:solidFill>
-              </a:rPr>
-              <a:t>live test</a:t>
-            </a:r>
-          </a:p>
-        </p:txBody>
-      </p:sp>
-      <p:sp>
-        <p:nvSpPr>
-          <p:cNvPr id="259" name="Arc 258"/>
-          <p:cNvSpPr/>
-          <p:nvPr/>
-        </p:nvSpPr>
-        <p:spPr>
-          <a:xfrm rot="2580608">
-            <a:off x="7718485" y="1470666"/>
-            <a:ext cx="1356586" cy="381000"/>
-          </a:xfrm>
-          <a:prstGeom prst="arc">
-            <a:avLst>
-              <a:gd name="adj1" fmla="val 11540120"/>
-              <a:gd name="adj2" fmla="val 21323423"/>
-            </a:avLst>
-          </a:prstGeom>
-          <a:ln w="28575">
-            <a:solidFill>
-              <a:srgbClr val="0070C0"/>
-            </a:solidFill>
-            <a:headEnd type="none"/>
-            <a:tailEnd type="triangle"/>
-          </a:ln>
-        </p:spPr>
-        <p:style>
-          <a:lnRef idx="1">
-            <a:schemeClr val="accent1"/>
-          </a:lnRef>
-          <a:fillRef idx="0">
-            <a:schemeClr val="accent1"/>
-          </a:fillRef>
-          <a:effectRef idx="0">
-            <a:schemeClr val="accent1"/>
-          </a:effectRef>
-          <a:fontRef idx="minor">
-            <a:schemeClr val="tx1"/>
-          </a:fontRef>
-        </p:style>
-        <p:txBody>
-          <a:bodyPr rtlCol="0" anchor="ctr"/>
-          <a:lstStyle/>
-          <a:p>
-            <a:pPr algn="ctr"/>
-            <a:endParaRPr lang="en-US" b="1"/>
-          </a:p>
-        </p:txBody>
-      </p:sp>
-      <p:sp>
-        <p:nvSpPr>
-          <p:cNvPr id="260" name="TextBox 259"/>
-          <p:cNvSpPr txBox="1"/>
-          <p:nvPr/>
-        </p:nvSpPr>
-        <p:spPr>
-          <a:xfrm rot="2697550">
-            <a:off x="8250680" y="1299385"/>
-            <a:ext cx="841701" cy="215444"/>
-          </a:xfrm>
-          <a:prstGeom prst="rect">
-            <a:avLst/>
-          </a:prstGeom>
-          <a:noFill/>
-        </p:spPr>
-        <p:txBody>
-          <a:bodyPr wrap="square" lIns="0" tIns="0" rIns="0" bIns="0" rtlCol="0">
-            <a:spAutoFit/>
-          </a:bodyPr>
-          <a:lstStyle/>
-          <a:p>
-            <a:r>
-              <a:rPr lang="en-US" sz="1400" b="1" dirty="0" smtClean="0">
-                <a:solidFill>
-                  <a:srgbClr val="0070C0"/>
-                </a:solidFill>
-              </a:rPr>
-              <a:t>11. </a:t>
-            </a:r>
-            <a:r>
-              <a:rPr lang="en-US" sz="1400" b="1" dirty="0">
-                <a:solidFill>
-                  <a:srgbClr val="0070C0"/>
-                </a:solidFill>
-              </a:rPr>
-              <a:t>deploy</a:t>
+              <a:t>9. deploy</a:t>
             </a:r>
           </a:p>
         </p:txBody>
@@ -5367,7 +5111,7 @@
         </p:nvSpPr>
         <p:spPr>
           <a:xfrm>
-            <a:off x="1712203" y="1817889"/>
+            <a:off x="1712207" y="1332587"/>
             <a:ext cx="3976413" cy="1028484"/>
           </a:xfrm>
           <a:custGeom>
@@ -5613,7 +5357,7 @@
         </p:nvSpPr>
         <p:spPr>
           <a:xfrm>
-            <a:off x="1913322" y="2901139"/>
+            <a:off x="1913326" y="2415837"/>
             <a:ext cx="1152097" cy="215444"/>
           </a:xfrm>
           <a:prstGeom prst="rect">
@@ -5646,11 +5390,13 @@
         </p:nvSpPr>
         <p:spPr>
           <a:xfrm>
-            <a:off x="805543" y="2052761"/>
+            <a:off x="748076" y="1710990"/>
             <a:ext cx="685800" cy="650081"/>
           </a:xfrm>
           <a:prstGeom prst="can">
-            <a:avLst/>
+            <a:avLst>
+              <a:gd name="adj" fmla="val 20604"/>
+            </a:avLst>
           </a:prstGeom>
           <a:solidFill>
             <a:schemeClr val="accent2">
@@ -5699,24 +5445,306 @@
           </a:p>
         </p:txBody>
       </p:sp>
-      <p:sp>
-        <p:nvSpPr>
-          <p:cNvPr id="47" name="Can 46"/>
+      <p:cxnSp>
+        <p:nvCxnSpPr>
+          <p:cNvPr id="3" name="Straight Arrow Connector 2"/>
+          <p:cNvCxnSpPr/>
+          <p:nvPr/>
+        </p:nvCxnSpPr>
+        <p:spPr>
+          <a:xfrm flipH="1">
+            <a:off x="4991100" y="2100858"/>
+            <a:ext cx="665118" cy="0"/>
+          </a:xfrm>
+          <a:prstGeom prst="straightConnector1">
+            <a:avLst/>
+          </a:prstGeom>
+          <a:ln w="28575">
+            <a:solidFill>
+              <a:srgbClr val="00B050"/>
+            </a:solidFill>
+            <a:headEnd type="none" w="med" len="med"/>
+            <a:tailEnd type="triangle" w="med" len="med"/>
+          </a:ln>
+        </p:spPr>
+        <p:style>
+          <a:lnRef idx="1">
+            <a:schemeClr val="accent1"/>
+          </a:lnRef>
+          <a:fillRef idx="0">
+            <a:schemeClr val="accent1"/>
+          </a:fillRef>
+          <a:effectRef idx="0">
+            <a:schemeClr val="accent1"/>
+          </a:effectRef>
+          <a:fontRef idx="minor">
+            <a:schemeClr val="tx1"/>
+          </a:fontRef>
+        </p:style>
+      </p:cxnSp>
+      <p:sp>
+        <p:nvSpPr>
+          <p:cNvPr id="50" name="TextBox 49"/>
+          <p:cNvSpPr txBox="1"/>
+          <p:nvPr/>
+        </p:nvSpPr>
+        <p:spPr>
+          <a:xfrm>
+            <a:off x="4991101" y="1790711"/>
+            <a:ext cx="766548" cy="307777"/>
+          </a:xfrm>
+          <a:prstGeom prst="rect">
+            <a:avLst/>
+          </a:prstGeom>
+          <a:noFill/>
+        </p:spPr>
+        <p:txBody>
+          <a:bodyPr wrap="square" rtlCol="0">
+            <a:spAutoFit/>
+          </a:bodyPr>
+          <a:lstStyle/>
+          <a:p>
+            <a:r>
+              <a:rPr lang="en-US" sz="1400" b="1" dirty="0">
+                <a:solidFill>
+                  <a:srgbClr val="00B050"/>
+                </a:solidFill>
+              </a:rPr>
+              <a:t>0. fork</a:t>
+            </a:r>
+          </a:p>
+        </p:txBody>
+      </p:sp>
+      <p:sp>
+        <p:nvSpPr>
+          <p:cNvPr id="52" name="Arc 51"/>
           <p:cNvSpPr/>
           <p:nvPr/>
         </p:nvSpPr>
         <p:spPr>
+          <a:xfrm flipV="1">
+            <a:off x="1524005" y="1953531"/>
+            <a:ext cx="1846217" cy="872166"/>
+          </a:xfrm>
+          <a:prstGeom prst="arc">
+            <a:avLst>
+              <a:gd name="adj1" fmla="val 11317751"/>
+              <a:gd name="adj2" fmla="val 21061440"/>
+            </a:avLst>
+          </a:prstGeom>
+          <a:ln w="28575">
+            <a:solidFill>
+              <a:srgbClr val="00B050"/>
+            </a:solidFill>
+            <a:headEnd type="none"/>
+            <a:tailEnd type="triangle"/>
+          </a:ln>
+        </p:spPr>
+        <p:style>
+          <a:lnRef idx="1">
+            <a:schemeClr val="accent1"/>
+          </a:lnRef>
+          <a:fillRef idx="0">
+            <a:schemeClr val="accent1"/>
+          </a:fillRef>
+          <a:effectRef idx="0">
+            <a:schemeClr val="accent1"/>
+          </a:effectRef>
+          <a:fontRef idx="minor">
+            <a:schemeClr val="tx1"/>
+          </a:fontRef>
+        </p:style>
+        <p:txBody>
+          <a:bodyPr rtlCol="0" anchor="ctr"/>
+          <a:lstStyle/>
+          <a:p>
+            <a:pPr algn="ctr"/>
+            <a:endParaRPr lang="en-US" b="1"/>
+          </a:p>
+        </p:txBody>
+      </p:sp>
+      <p:sp>
+        <p:nvSpPr>
+          <p:cNvPr id="53" name="TextBox 52"/>
+          <p:cNvSpPr txBox="1"/>
+          <p:nvPr/>
+        </p:nvSpPr>
+        <p:spPr>
           <a:xfrm>
-            <a:off x="3862486" y="2235139"/>
-            <a:ext cx="1107933" cy="762000"/>
+            <a:off x="1905004" y="2873037"/>
+            <a:ext cx="1152097" cy="215444"/>
+          </a:xfrm>
+          <a:prstGeom prst="rect">
+            <a:avLst/>
+          </a:prstGeom>
+          <a:noFill/>
+        </p:spPr>
+        <p:txBody>
+          <a:bodyPr wrap="square" lIns="0" tIns="0" rIns="0" bIns="0" rtlCol="0">
+            <a:spAutoFit/>
+          </a:bodyPr>
+          <a:lstStyle/>
+          <a:p>
+            <a:r>
+              <a:rPr lang="en-US" sz="1400" b="1" dirty="0">
+                <a:solidFill>
+                  <a:srgbClr val="00B050"/>
+                </a:solidFill>
+              </a:rPr>
+              <a:t>2.5 push</a:t>
+            </a:r>
+          </a:p>
+        </p:txBody>
+      </p:sp>
+      <p:sp>
+        <p:nvSpPr>
+          <p:cNvPr id="54" name="Arc 53"/>
+          <p:cNvSpPr/>
+          <p:nvPr/>
+        </p:nvSpPr>
+        <p:spPr>
+          <a:xfrm rot="14608964">
+            <a:off x="3998835" y="2520877"/>
+            <a:ext cx="1564898" cy="974478"/>
+          </a:xfrm>
+          <a:prstGeom prst="arc">
+            <a:avLst>
+              <a:gd name="adj1" fmla="val 11375317"/>
+              <a:gd name="adj2" fmla="val 19119815"/>
+            </a:avLst>
+          </a:prstGeom>
+          <a:ln w="28575">
+            <a:solidFill>
+              <a:schemeClr val="accent6">
+                <a:lumMod val="75000"/>
+              </a:schemeClr>
+            </a:solidFill>
+            <a:headEnd type="none"/>
+            <a:tailEnd type="triangle"/>
+          </a:ln>
+        </p:spPr>
+        <p:style>
+          <a:lnRef idx="1">
+            <a:schemeClr val="accent1"/>
+          </a:lnRef>
+          <a:fillRef idx="0">
+            <a:schemeClr val="accent1"/>
+          </a:fillRef>
+          <a:effectRef idx="0">
+            <a:schemeClr val="accent1"/>
+          </a:effectRef>
+          <a:fontRef idx="minor">
+            <a:schemeClr val="tx1"/>
+          </a:fontRef>
+        </p:style>
+        <p:txBody>
+          <a:bodyPr rtlCol="0" anchor="ctr"/>
+          <a:lstStyle/>
+          <a:p>
+            <a:pPr algn="ctr"/>
+            <a:endParaRPr lang="en-US" b="1"/>
+          </a:p>
+        </p:txBody>
+      </p:sp>
+      <p:sp>
+        <p:nvSpPr>
+          <p:cNvPr id="55" name="Arc 54"/>
+          <p:cNvSpPr/>
+          <p:nvPr/>
+        </p:nvSpPr>
+        <p:spPr>
+          <a:xfrm rot="20481769" flipH="1">
+            <a:off x="4339525" y="636731"/>
+            <a:ext cx="3406113" cy="967482"/>
+          </a:xfrm>
+          <a:prstGeom prst="arc">
+            <a:avLst>
+              <a:gd name="adj1" fmla="val 11294920"/>
+              <a:gd name="adj2" fmla="val 21497791"/>
+            </a:avLst>
+          </a:prstGeom>
+          <a:ln w="28575">
+            <a:solidFill>
+              <a:srgbClr val="0070C0"/>
+            </a:solidFill>
+            <a:headEnd type="none"/>
+            <a:tailEnd type="triangle"/>
+          </a:ln>
+        </p:spPr>
+        <p:style>
+          <a:lnRef idx="1">
+            <a:schemeClr val="accent1"/>
+          </a:lnRef>
+          <a:fillRef idx="0">
+            <a:schemeClr val="accent1"/>
+          </a:fillRef>
+          <a:effectRef idx="0">
+            <a:schemeClr val="accent1"/>
+          </a:effectRef>
+          <a:fontRef idx="minor">
+            <a:schemeClr val="tx1"/>
+          </a:fontRef>
+        </p:style>
+        <p:txBody>
+          <a:bodyPr rtlCol="0" anchor="ctr"/>
+          <a:lstStyle/>
+          <a:p>
+            <a:pPr algn="ctr"/>
+            <a:endParaRPr lang="en-US" b="1"/>
+          </a:p>
+        </p:txBody>
+      </p:sp>
+      <p:sp>
+        <p:nvSpPr>
+          <p:cNvPr id="56" name="TextBox 55"/>
+          <p:cNvSpPr txBox="1"/>
+          <p:nvPr/>
+        </p:nvSpPr>
+        <p:spPr>
+          <a:xfrm rot="20513492">
+            <a:off x="5270177" y="439885"/>
+            <a:ext cx="1055178" cy="215444"/>
+          </a:xfrm>
+          <a:prstGeom prst="rect">
+            <a:avLst/>
+          </a:prstGeom>
+          <a:noFill/>
+        </p:spPr>
+        <p:txBody>
+          <a:bodyPr wrap="square" lIns="0" tIns="0" rIns="0" bIns="0" rtlCol="0">
+            <a:spAutoFit/>
+          </a:bodyPr>
+          <a:lstStyle/>
+          <a:p>
+            <a:r>
+              <a:rPr lang="en-US" sz="1400" b="1" dirty="0">
+                <a:solidFill>
+                  <a:srgbClr val="0070C0"/>
+                </a:solidFill>
+              </a:rPr>
+              <a:t>5. final review</a:t>
+            </a:r>
+          </a:p>
+        </p:txBody>
+      </p:sp>
+      <p:sp>
+        <p:nvSpPr>
+          <p:cNvPr id="59" name="Can 58"/>
+          <p:cNvSpPr/>
+          <p:nvPr/>
+        </p:nvSpPr>
+        <p:spPr>
+          <a:xfrm>
+            <a:off x="3731699" y="1717789"/>
+            <a:ext cx="1185009" cy="762000"/>
           </a:xfrm>
           <a:prstGeom prst="can">
             <a:avLst/>
           </a:prstGeom>
           <a:solidFill>
             <a:schemeClr val="accent2">
-              <a:lumMod val="20000"/>
-              <a:lumOff val="80000"/>
+              <a:lumMod val="60000"/>
+              <a:lumOff val="40000"/>
             </a:schemeClr>
           </a:solidFill>
           <a:ln>
@@ -5742,340 +5770,22 @@
           </a:fontRef>
         </p:style>
         <p:txBody>
-          <a:bodyPr lIns="0" rIns="0" rtlCol="0" anchor="ctr"/>
+          <a:bodyPr rtlCol="0" anchor="ctr"/>
           <a:lstStyle/>
           <a:p>
             <a:pPr algn="ctr"/>
             <a:r>
-              <a:rPr lang="en-US" sz="1600" b="1" dirty="0">
-                <a:solidFill>
-                  <a:schemeClr val="bg1"/>
-                </a:solidFill>
-              </a:rPr>
+              <a:rPr lang="en-US" sz="1600" b="1" dirty="0" smtClean="0"/>
               <a:t>Contributor</a:t>
             </a:r>
+            <a:endParaRPr lang="en-US" sz="1600" b="1" dirty="0"/>
           </a:p>
           <a:p>
             <a:pPr algn="ctr"/>
             <a:r>
-              <a:rPr lang="en-US" sz="1600" dirty="0">
-                <a:solidFill>
-                  <a:schemeClr val="bg1"/>
-                </a:solidFill>
-              </a:rPr>
+              <a:rPr lang="en-US" sz="1600" dirty="0"/>
               <a:t>Repo</a:t>
             </a:r>
-          </a:p>
-        </p:txBody>
-      </p:sp>
-      <p:cxnSp>
-        <p:nvCxnSpPr>
-          <p:cNvPr id="3" name="Straight Arrow Connector 2"/>
-          <p:cNvCxnSpPr/>
-          <p:nvPr/>
-        </p:nvCxnSpPr>
-        <p:spPr>
-          <a:xfrm flipH="1">
-            <a:off x="4991100" y="2586160"/>
-            <a:ext cx="665118" cy="0"/>
-          </a:xfrm>
-          <a:prstGeom prst="straightConnector1">
-            <a:avLst/>
-          </a:prstGeom>
-          <a:ln w="28575">
-            <a:solidFill>
-              <a:srgbClr val="00B050"/>
-            </a:solidFill>
-            <a:headEnd type="none" w="med" len="med"/>
-            <a:tailEnd type="triangle" w="med" len="med"/>
-          </a:ln>
-        </p:spPr>
-        <p:style>
-          <a:lnRef idx="1">
-            <a:schemeClr val="accent1"/>
-          </a:lnRef>
-          <a:fillRef idx="0">
-            <a:schemeClr val="accent1"/>
-          </a:fillRef>
-          <a:effectRef idx="0">
-            <a:schemeClr val="accent1"/>
-          </a:effectRef>
-          <a:fontRef idx="minor">
-            <a:schemeClr val="tx1"/>
-          </a:fontRef>
-        </p:style>
-      </p:cxnSp>
-      <p:sp>
-        <p:nvSpPr>
-          <p:cNvPr id="50" name="TextBox 49"/>
-          <p:cNvSpPr txBox="1"/>
-          <p:nvPr/>
-        </p:nvSpPr>
-        <p:spPr>
-          <a:xfrm>
-            <a:off x="4991101" y="2276009"/>
-            <a:ext cx="766548" cy="307777"/>
-          </a:xfrm>
-          <a:prstGeom prst="rect">
-            <a:avLst/>
-          </a:prstGeom>
-          <a:noFill/>
-        </p:spPr>
-        <p:txBody>
-          <a:bodyPr wrap="square" rtlCol="0">
-            <a:spAutoFit/>
-          </a:bodyPr>
-          <a:lstStyle/>
-          <a:p>
-            <a:r>
-              <a:rPr lang="en-US" sz="1400" b="1" dirty="0">
-                <a:solidFill>
-                  <a:srgbClr val="00B050"/>
-                </a:solidFill>
-              </a:rPr>
-              <a:t>0. fork</a:t>
-            </a:r>
-          </a:p>
-        </p:txBody>
-      </p:sp>
-      <p:sp>
-        <p:nvSpPr>
-          <p:cNvPr id="52" name="Arc 51"/>
-          <p:cNvSpPr/>
-          <p:nvPr/>
-        </p:nvSpPr>
-        <p:spPr>
-          <a:xfrm flipV="1">
-            <a:off x="1524001" y="2438833"/>
-            <a:ext cx="1846217" cy="872166"/>
-          </a:xfrm>
-          <a:prstGeom prst="arc">
-            <a:avLst>
-              <a:gd name="adj1" fmla="val 11317751"/>
-              <a:gd name="adj2" fmla="val 21061440"/>
-            </a:avLst>
-          </a:prstGeom>
-          <a:ln w="28575">
-            <a:solidFill>
-              <a:srgbClr val="00B050"/>
-            </a:solidFill>
-            <a:headEnd type="none"/>
-            <a:tailEnd type="triangle"/>
-          </a:ln>
-        </p:spPr>
-        <p:style>
-          <a:lnRef idx="1">
-            <a:schemeClr val="accent1"/>
-          </a:lnRef>
-          <a:fillRef idx="0">
-            <a:schemeClr val="accent1"/>
-          </a:fillRef>
-          <a:effectRef idx="0">
-            <a:schemeClr val="accent1"/>
-          </a:effectRef>
-          <a:fontRef idx="minor">
-            <a:schemeClr val="tx1"/>
-          </a:fontRef>
-        </p:style>
-        <p:txBody>
-          <a:bodyPr rtlCol="0" anchor="ctr"/>
-          <a:lstStyle/>
-          <a:p>
-            <a:pPr algn="ctr"/>
-            <a:endParaRPr lang="en-US" b="1"/>
-          </a:p>
-        </p:txBody>
-      </p:sp>
-      <p:sp>
-        <p:nvSpPr>
-          <p:cNvPr id="53" name="TextBox 52"/>
-          <p:cNvSpPr txBox="1"/>
-          <p:nvPr/>
-        </p:nvSpPr>
-        <p:spPr>
-          <a:xfrm>
-            <a:off x="1905000" y="3358339"/>
-            <a:ext cx="1152097" cy="215444"/>
-          </a:xfrm>
-          <a:prstGeom prst="rect">
-            <a:avLst/>
-          </a:prstGeom>
-          <a:noFill/>
-        </p:spPr>
-        <p:txBody>
-          <a:bodyPr wrap="square" lIns="0" tIns="0" rIns="0" bIns="0" rtlCol="0">
-            <a:spAutoFit/>
-          </a:bodyPr>
-          <a:lstStyle/>
-          <a:p>
-            <a:r>
-              <a:rPr lang="en-US" sz="1400" b="1" dirty="0">
-                <a:solidFill>
-                  <a:srgbClr val="00B050"/>
-                </a:solidFill>
-              </a:rPr>
-              <a:t>2.5 push</a:t>
-            </a:r>
-          </a:p>
-        </p:txBody>
-      </p:sp>
-      <p:sp>
-        <p:nvSpPr>
-          <p:cNvPr id="54" name="Arc 53"/>
-          <p:cNvSpPr/>
-          <p:nvPr/>
-        </p:nvSpPr>
-        <p:spPr>
-          <a:xfrm rot="14651252">
-            <a:off x="3427127" y="3779022"/>
-            <a:ext cx="1763128" cy="431640"/>
-          </a:xfrm>
-          <a:prstGeom prst="arc">
-            <a:avLst>
-              <a:gd name="adj1" fmla="val 11081571"/>
-              <a:gd name="adj2" fmla="val 21481034"/>
-            </a:avLst>
-          </a:prstGeom>
-          <a:ln w="28575">
-            <a:solidFill>
-              <a:schemeClr val="accent6">
-                <a:lumMod val="75000"/>
-              </a:schemeClr>
-            </a:solidFill>
-            <a:headEnd type="none"/>
-            <a:tailEnd type="triangle"/>
-          </a:ln>
-        </p:spPr>
-        <p:style>
-          <a:lnRef idx="1">
-            <a:schemeClr val="accent1"/>
-          </a:lnRef>
-          <a:fillRef idx="0">
-            <a:schemeClr val="accent1"/>
-          </a:fillRef>
-          <a:effectRef idx="0">
-            <a:schemeClr val="accent1"/>
-          </a:effectRef>
-          <a:fontRef idx="minor">
-            <a:schemeClr val="tx1"/>
-          </a:fontRef>
-        </p:style>
-        <p:txBody>
-          <a:bodyPr rtlCol="0" anchor="ctr"/>
-          <a:lstStyle/>
-          <a:p>
-            <a:pPr algn="ctr"/>
-            <a:endParaRPr lang="en-US" b="1"/>
-          </a:p>
-        </p:txBody>
-      </p:sp>
-      <p:sp>
-        <p:nvSpPr>
-          <p:cNvPr id="55" name="Arc 54"/>
-          <p:cNvSpPr/>
-          <p:nvPr/>
-        </p:nvSpPr>
-        <p:spPr>
-          <a:xfrm rot="20481769" flipH="1">
-            <a:off x="4339521" y="1122033"/>
-            <a:ext cx="3406113" cy="967482"/>
-          </a:xfrm>
-          <a:prstGeom prst="arc">
-            <a:avLst>
-              <a:gd name="adj1" fmla="val 11493923"/>
-              <a:gd name="adj2" fmla="val 21497791"/>
-            </a:avLst>
-          </a:prstGeom>
-          <a:ln w="28575">
-            <a:solidFill>
-              <a:srgbClr val="0070C0"/>
-            </a:solidFill>
-            <a:headEnd type="none"/>
-            <a:tailEnd type="triangle"/>
-          </a:ln>
-        </p:spPr>
-        <p:style>
-          <a:lnRef idx="1">
-            <a:schemeClr val="accent1"/>
-          </a:lnRef>
-          <a:fillRef idx="0">
-            <a:schemeClr val="accent1"/>
-          </a:fillRef>
-          <a:effectRef idx="0">
-            <a:schemeClr val="accent1"/>
-          </a:effectRef>
-          <a:fontRef idx="minor">
-            <a:schemeClr val="tx1"/>
-          </a:fontRef>
-        </p:style>
-        <p:txBody>
-          <a:bodyPr rtlCol="0" anchor="ctr"/>
-          <a:lstStyle/>
-          <a:p>
-            <a:pPr algn="ctr"/>
-            <a:endParaRPr lang="en-US" b="1"/>
-          </a:p>
-        </p:txBody>
-      </p:sp>
-      <p:sp>
-        <p:nvSpPr>
-          <p:cNvPr id="56" name="TextBox 55"/>
-          <p:cNvSpPr txBox="1"/>
-          <p:nvPr/>
-        </p:nvSpPr>
-        <p:spPr>
-          <a:xfrm rot="20513492">
-            <a:off x="5270177" y="925187"/>
-            <a:ext cx="1055178" cy="215444"/>
-          </a:xfrm>
-          <a:prstGeom prst="rect">
-            <a:avLst/>
-          </a:prstGeom>
-          <a:noFill/>
-        </p:spPr>
-        <p:txBody>
-          <a:bodyPr wrap="square" lIns="0" tIns="0" rIns="0" bIns="0" rtlCol="0">
-            <a:spAutoFit/>
-          </a:bodyPr>
-          <a:lstStyle/>
-          <a:p>
-            <a:r>
-              <a:rPr lang="en-US" sz="1400" b="1" dirty="0">
-                <a:solidFill>
-                  <a:srgbClr val="0070C0"/>
-                </a:solidFill>
-              </a:rPr>
-              <a:t>5</a:t>
-            </a:r>
-            <a:r>
-              <a:rPr lang="en-US" sz="1400" b="1" dirty="0" smtClean="0">
-                <a:solidFill>
-                  <a:srgbClr val="0070C0"/>
-                </a:solidFill>
-              </a:rPr>
-              <a:t>. </a:t>
-            </a:r>
-            <a:r>
-              <a:rPr lang="en-US" sz="1400" b="1" dirty="0">
-                <a:solidFill>
-                  <a:srgbClr val="0070C0"/>
-                </a:solidFill>
-              </a:rPr>
-              <a:t>f</a:t>
-            </a:r>
-            <a:r>
-              <a:rPr lang="en-US" sz="1400" b="1" dirty="0" smtClean="0">
-                <a:solidFill>
-                  <a:srgbClr val="0070C0"/>
-                </a:solidFill>
-              </a:rPr>
-              <a:t>inal review</a:t>
-            </a:r>
-            <a:endParaRPr lang="en-US" sz="1400" b="1" dirty="0">
-              <a:solidFill>
-                <a:srgbClr val="0070C0"/>
-              </a:solidFill>
-            </a:endParaRPr>
           </a:p>
         </p:txBody>
       </p:sp>
